--- a/Pixel war.pptx
+++ b/Pixel war.pptx
@@ -244,7 +244,7 @@
             <a:pPr rtl="0"/>
             <a:fld id="{6BC4ED84-6EAE-4BB9-A239-A4541838CFBF}" type="datetime1">
               <a:rPr lang="fr-FR" smtClean="0"/>
-              <a:t>03/04/2023</a:t>
+              <a:t>04/04/2023</a:t>
             </a:fld>
             <a:endParaRPr lang="fr-FR"/>
           </a:p>
@@ -426,7 +426,7 @@
             <a:fld id="{30AA49DA-9B4C-4C11-AFC5-1C9CC1D3D925}" type="datetime1">
               <a:rPr lang="fr-FR" smtClean="0"/>
               <a:pPr/>
-              <a:t>03/04/2023</a:t>
+              <a:t>04/04/2023</a:t>
             </a:fld>
             <a:endParaRPr lang="fr-FR" dirty="0"/>
           </a:p>
@@ -16216,10 +16216,7 @@
           <a:lstStyle/>
           <a:p>
             <a:pPr rtl="0"/>
-            <a:r>
-              <a:rPr lang="fr-FR"/>
-              <a:t>20XX</a:t>
-            </a:r>
+            <a:endParaRPr lang="fr-FR" dirty="0"/>
           </a:p>
         </p:txBody>
       </p:sp>
@@ -16250,10 +16247,7 @@
           <a:lstStyle/>
           <a:p>
             <a:pPr rtl="0"/>
-            <a:r>
-              <a:rPr lang="fr-FR"/>
-              <a:t>Pitch Deck</a:t>
-            </a:r>
+            <a:endParaRPr lang="fr-FR" dirty="0"/>
           </a:p>
         </p:txBody>
       </p:sp>
@@ -16454,10 +16448,7 @@
           <a:lstStyle/>
           <a:p>
             <a:pPr rtl="0"/>
-            <a:r>
-              <a:rPr lang="fr-FR"/>
-              <a:t>20XX</a:t>
-            </a:r>
+            <a:endParaRPr lang="fr-FR" dirty="0"/>
           </a:p>
         </p:txBody>
       </p:sp>
@@ -16488,10 +16479,7 @@
           <a:lstStyle/>
           <a:p>
             <a:pPr rtl="0"/>
-            <a:r>
-              <a:rPr lang="fr-FR"/>
-              <a:t>Pitch Deck</a:t>
-            </a:r>
+            <a:endParaRPr lang="fr-FR" dirty="0"/>
           </a:p>
         </p:txBody>
       </p:sp>
@@ -17260,10 +17248,7 @@
           <a:lstStyle/>
           <a:p>
             <a:pPr rtl="0"/>
-            <a:r>
-              <a:rPr lang="fr-FR"/>
-              <a:t>20XX</a:t>
-            </a:r>
+            <a:endParaRPr lang="fr-FR" dirty="0"/>
           </a:p>
         </p:txBody>
       </p:sp>
@@ -17294,10 +17279,7 @@
           <a:lstStyle/>
           <a:p>
             <a:pPr rtl="0"/>
-            <a:r>
-              <a:rPr lang="fr-FR"/>
-              <a:t>Pitch Deck</a:t>
-            </a:r>
+            <a:endParaRPr lang="fr-FR" dirty="0"/>
           </a:p>
         </p:txBody>
       </p:sp>
@@ -17461,10 +17443,6 @@
           <a:lstStyle/>
           <a:p>
             <a:pPr rtl="0"/>
-            <a:r>
-              <a:rPr lang="fr-FR"/>
-              <a:t>20XX</a:t>
-            </a:r>
             <a:endParaRPr lang="fr-FR" dirty="0"/>
           </a:p>
         </p:txBody>
@@ -17496,10 +17474,6 @@
           <a:lstStyle/>
           <a:p>
             <a:pPr rtl="0"/>
-            <a:r>
-              <a:rPr lang="fr-FR"/>
-              <a:t>Pitch Deck</a:t>
-            </a:r>
             <a:endParaRPr lang="fr-FR" dirty="0"/>
           </a:p>
         </p:txBody>
@@ -18345,6 +18319,15 @@
 </file>
 
 <file path=customXml/item1.xml><?xml version="1.0" encoding="utf-8"?>
+<?mso-contentType ?>
+<FormTemplates xmlns="http://schemas.microsoft.com/sharepoint/v3/contenttype/forms">
+  <Display>DocumentLibraryForm</Display>
+  <Edit>DocumentLibraryForm</Edit>
+  <New>DocumentLibraryForm</New>
+</FormTemplates>
+</file>
+
+<file path=customXml/item2.xml><?xml version="1.0" encoding="utf-8"?>
 <ct:contentTypeSchema xmlns:ct="http://schemas.microsoft.com/office/2006/metadata/contentType" xmlns:ma="http://schemas.microsoft.com/office/2006/metadata/properties/metaAttributes" ct:_="" ma:_="" ma:contentTypeName="Document" ma:contentTypeID="0x01010079F111ED35F8CC479449609E8A0923A6" ma:contentTypeVersion="20" ma:contentTypeDescription="Create a new document." ma:contentTypeScope="" ma:versionID="1267097ee5f5874adfcc408041ae252e">
   <xsd:schema xmlns:xsd="http://www.w3.org/2001/XMLSchema" xmlns:xs="http://www.w3.org/2001/XMLSchema" xmlns:p="http://schemas.microsoft.com/office/2006/metadata/properties" xmlns:ns1="http://schemas.microsoft.com/sharepoint/v3" xmlns:ns2="71af3243-3dd4-4a8d-8c0d-dd76da1f02a5" xmlns:ns3="16c05727-aa75-4e4a-9b5f-8a80a1165891" xmlns:ns4="230e9df3-be65-4c73-a93b-d1236ebd677e" targetNamespace="http://schemas.microsoft.com/office/2006/metadata/properties" ma:root="true" ma:fieldsID="395891a93df65b14727750f2c06c306c" ns1:_="" ns2:_="" ns3:_="" ns4:_="">
     <xsd:import namespace="http://schemas.microsoft.com/sharepoint/v3"/>
@@ -18620,15 +18603,6 @@
 </ct:contentTypeSchema>
 </file>
 
-<file path=customXml/item2.xml><?xml version="1.0" encoding="utf-8"?>
-<?mso-contentType ?>
-<FormTemplates xmlns="http://schemas.microsoft.com/sharepoint/v3/contenttype/forms">
-  <Display>DocumentLibraryForm</Display>
-  <Edit>DocumentLibraryForm</Edit>
-  <New>DocumentLibraryForm</New>
-</FormTemplates>
-</file>
-
 <file path=customXml/item3.xml><?xml version="1.0" encoding="utf-8"?>
 <p:properties xmlns:p="http://schemas.microsoft.com/office/2006/metadata/properties" xmlns:xsi="http://www.w3.org/2001/XMLSchema-instance" xmlns:pc="http://schemas.microsoft.com/office/infopath/2007/PartnerControls">
   <documentManagement>
@@ -18649,6 +18623,14 @@
 </file>
 
 <file path=customXml/itemProps1.xml><?xml version="1.0" encoding="utf-8"?>
+<ds:datastoreItem xmlns:ds="http://schemas.openxmlformats.org/officeDocument/2006/customXml" ds:itemID="{2D446390-8521-40A2-A462-EA068123BED9}">
+  <ds:schemaRefs>
+    <ds:schemaRef ds:uri="http://schemas.microsoft.com/sharepoint/v3/contenttype/forms"/>
+  </ds:schemaRefs>
+</ds:datastoreItem>
+</file>
+
+<file path=customXml/itemProps2.xml><?xml version="1.0" encoding="utf-8"?>
 <ds:datastoreItem xmlns:ds="http://schemas.openxmlformats.org/officeDocument/2006/customXml" ds:itemID="{01E84A1C-2814-43A7-9448-348326113A45}">
   <ds:schemaRefs>
     <ds:schemaRef ds:uri="http://schemas.microsoft.com/office/2006/metadata/contentType"/>
@@ -18665,14 +18647,6 @@
     <ds:schemaRef ds:uri="http://purl.org/dc/elements/1.1/"/>
     <ds:schemaRef ds:uri="http://purl.org/dc/terms/"/>
     <ds:schemaRef ds:uri="http://schemas.microsoft.com/internal/obd"/>
-  </ds:schemaRefs>
-</ds:datastoreItem>
-</file>
-
-<file path=customXml/itemProps2.xml><?xml version="1.0" encoding="utf-8"?>
-<ds:datastoreItem xmlns:ds="http://schemas.openxmlformats.org/officeDocument/2006/customXml" ds:itemID="{2D446390-8521-40A2-A462-EA068123BED9}">
-  <ds:schemaRefs>
-    <ds:schemaRef ds:uri="http://schemas.microsoft.com/sharepoint/v3/contenttype/forms"/>
   </ds:schemaRefs>
 </ds:datastoreItem>
 </file>
